--- a/POS.pptx
+++ b/POS.pptx
@@ -5,7 +5,7 @@
     <p:sldMasterId id="2147483648" r:id="rId1"/>
   </p:sldMasterIdLst>
   <p:notesMasterIdLst>
-    <p:notesMasterId r:id="rId14"/>
+    <p:notesMasterId r:id="rId16"/>
   </p:notesMasterIdLst>
   <p:sldIdLst>
     <p:sldId id="256" r:id="rId2"/>
@@ -18,8 +18,10 @@
     <p:sldId id="262" r:id="rId9"/>
     <p:sldId id="268" r:id="rId10"/>
     <p:sldId id="265" r:id="rId11"/>
-    <p:sldId id="261" r:id="rId12"/>
-    <p:sldId id="269" r:id="rId13"/>
+    <p:sldId id="270" r:id="rId12"/>
+    <p:sldId id="271" r:id="rId13"/>
+    <p:sldId id="261" r:id="rId14"/>
+    <p:sldId id="269" r:id="rId15"/>
   </p:sldIdLst>
   <p:sldSz cx="12192000" cy="6858000"/>
   <p:notesSz cx="6858000" cy="9144000"/>
@@ -218,7 +220,7 @@
           <a:p>
             <a:fld id="{78D8A2A0-D88E-4AFE-8C0A-64A00948C187}" type="datetimeFigureOut">
               <a:rPr lang="de-AT" smtClean="0"/>
-              <a:t>11.03.2019</a:t>
+              <a:t>12.03.2019</a:t>
             </a:fld>
             <a:endParaRPr lang="de-AT"/>
           </a:p>
@@ -551,7 +553,7 @@
           <a:p>
             <a:fld id="{742E2130-3AC5-46D3-90D2-37AD7E77E5C2}" type="slidenum">
               <a:rPr lang="de-AT" smtClean="0"/>
-              <a:t>12</a:t>
+              <a:t>14</a:t>
             </a:fld>
             <a:endParaRPr lang="de-AT"/>
           </a:p>
@@ -699,7 +701,7 @@
           <a:p>
             <a:fld id="{D3EB3054-B75A-4BD7-8B3E-8DC0F614FAF3}" type="datetimeFigureOut">
               <a:rPr lang="de-DE" smtClean="0"/>
-              <a:t>11.03.2019</a:t>
+              <a:t>12.03.2019</a:t>
             </a:fld>
             <a:endParaRPr lang="de-DE"/>
           </a:p>
@@ -879,7 +881,7 @@
           <a:p>
             <a:fld id="{D3EB3054-B75A-4BD7-8B3E-8DC0F614FAF3}" type="datetimeFigureOut">
               <a:rPr lang="de-DE" smtClean="0"/>
-              <a:t>11.03.2019</a:t>
+              <a:t>12.03.2019</a:t>
             </a:fld>
             <a:endParaRPr lang="de-DE"/>
           </a:p>
@@ -1069,7 +1071,7 @@
           <a:p>
             <a:fld id="{D3EB3054-B75A-4BD7-8B3E-8DC0F614FAF3}" type="datetimeFigureOut">
               <a:rPr lang="de-DE" smtClean="0"/>
-              <a:t>11.03.2019</a:t>
+              <a:t>12.03.2019</a:t>
             </a:fld>
             <a:endParaRPr lang="de-DE"/>
           </a:p>
@@ -1249,7 +1251,7 @@
           <a:p>
             <a:fld id="{D3EB3054-B75A-4BD7-8B3E-8DC0F614FAF3}" type="datetimeFigureOut">
               <a:rPr lang="de-DE" smtClean="0"/>
-              <a:t>11.03.2019</a:t>
+              <a:t>12.03.2019</a:t>
             </a:fld>
             <a:endParaRPr lang="de-DE"/>
           </a:p>
@@ -1506,7 +1508,7 @@
           <a:p>
             <a:fld id="{D3EB3054-B75A-4BD7-8B3E-8DC0F614FAF3}" type="datetimeFigureOut">
               <a:rPr lang="de-DE" smtClean="0"/>
-              <a:t>11.03.2019</a:t>
+              <a:t>12.03.2019</a:t>
             </a:fld>
             <a:endParaRPr lang="de-DE"/>
           </a:p>
@@ -1747,7 +1749,7 @@
           <a:p>
             <a:fld id="{D3EB3054-B75A-4BD7-8B3E-8DC0F614FAF3}" type="datetimeFigureOut">
               <a:rPr lang="de-DE" smtClean="0"/>
-              <a:t>11.03.2019</a:t>
+              <a:t>12.03.2019</a:t>
             </a:fld>
             <a:endParaRPr lang="de-DE"/>
           </a:p>
@@ -2123,7 +2125,7 @@
           <a:p>
             <a:fld id="{D3EB3054-B75A-4BD7-8B3E-8DC0F614FAF3}" type="datetimeFigureOut">
               <a:rPr lang="de-DE" smtClean="0"/>
-              <a:t>11.03.2019</a:t>
+              <a:t>12.03.2019</a:t>
             </a:fld>
             <a:endParaRPr lang="de-DE"/>
           </a:p>
@@ -2252,7 +2254,7 @@
           <a:p>
             <a:fld id="{D3EB3054-B75A-4BD7-8B3E-8DC0F614FAF3}" type="datetimeFigureOut">
               <a:rPr lang="de-DE" smtClean="0"/>
-              <a:t>11.03.2019</a:t>
+              <a:t>12.03.2019</a:t>
             </a:fld>
             <a:endParaRPr lang="de-DE"/>
           </a:p>
@@ -2359,7 +2361,7 @@
           <a:p>
             <a:fld id="{D3EB3054-B75A-4BD7-8B3E-8DC0F614FAF3}" type="datetimeFigureOut">
               <a:rPr lang="de-DE" smtClean="0"/>
-              <a:t>11.03.2019</a:t>
+              <a:t>12.03.2019</a:t>
             </a:fld>
             <a:endParaRPr lang="de-DE"/>
           </a:p>
@@ -2646,7 +2648,7 @@
           <a:p>
             <a:fld id="{D3EB3054-B75A-4BD7-8B3E-8DC0F614FAF3}" type="datetimeFigureOut">
               <a:rPr lang="de-DE" smtClean="0"/>
-              <a:t>11.03.2019</a:t>
+              <a:t>12.03.2019</a:t>
             </a:fld>
             <a:endParaRPr lang="de-DE"/>
           </a:p>
@@ -2910,7 +2912,7 @@
           <a:p>
             <a:fld id="{D3EB3054-B75A-4BD7-8B3E-8DC0F614FAF3}" type="datetimeFigureOut">
               <a:rPr lang="de-DE" smtClean="0"/>
-              <a:t>11.03.2019</a:t>
+              <a:t>12.03.2019</a:t>
             </a:fld>
             <a:endParaRPr lang="de-DE"/>
           </a:p>
@@ -3133,7 +3135,7 @@
           <a:p>
             <a:fld id="{D3EB3054-B75A-4BD7-8B3E-8DC0F614FAF3}" type="datetimeFigureOut">
               <a:rPr lang="de-DE" smtClean="0"/>
-              <a:t>11.03.2019</a:t>
+              <a:t>12.03.2019</a:t>
             </a:fld>
             <a:endParaRPr lang="de-DE"/>
           </a:p>
@@ -4141,6 +4143,66 @@
           <a:chExt cx="0" cy="0"/>
         </a:xfrm>
       </p:grpSpPr>
+      <p:pic>
+        <p:nvPicPr>
+          <p:cNvPr id="6" name="Picture 5">
+            <a:extLst>
+              <a:ext uri="{FF2B5EF4-FFF2-40B4-BE49-F238E27FC236}">
+                <a16:creationId xmlns:a16="http://schemas.microsoft.com/office/drawing/2014/main" id="{4B9E6E65-3C59-4DC5-8E32-6E0EC495F6E7}"/>
+              </a:ext>
+            </a:extLst>
+          </p:cNvPr>
+          <p:cNvPicPr>
+            <a:picLocks noChangeAspect="1"/>
+          </p:cNvPicPr>
+          <p:nvPr/>
+        </p:nvPicPr>
+        <p:blipFill>
+          <a:blip r:embed="rId2"/>
+          <a:stretch>
+            <a:fillRect/>
+          </a:stretch>
+        </p:blipFill>
+        <p:spPr>
+          <a:xfrm>
+            <a:off x="4581331" y="2780522"/>
+            <a:ext cx="3332640" cy="1873594"/>
+          </a:xfrm>
+          <a:prstGeom prst="rect">
+            <a:avLst/>
+          </a:prstGeom>
+        </p:spPr>
+      </p:pic>
+      <p:pic>
+        <p:nvPicPr>
+          <p:cNvPr id="4" name="Picture 3">
+            <a:extLst>
+              <a:ext uri="{FF2B5EF4-FFF2-40B4-BE49-F238E27FC236}">
+                <a16:creationId xmlns:a16="http://schemas.microsoft.com/office/drawing/2014/main" id="{1027A23D-A6A5-4F0E-92D4-AB63F9869C66}"/>
+              </a:ext>
+            </a:extLst>
+          </p:cNvPr>
+          <p:cNvPicPr>
+            <a:picLocks noChangeAspect="1"/>
+          </p:cNvPicPr>
+          <p:nvPr/>
+        </p:nvPicPr>
+        <p:blipFill>
+          <a:blip r:embed="rId3"/>
+          <a:stretch>
+            <a:fillRect/>
+          </a:stretch>
+        </p:blipFill>
+        <p:spPr>
+          <a:xfrm>
+            <a:off x="4506685" y="2635632"/>
+            <a:ext cx="2822394" cy="1586736"/>
+          </a:xfrm>
+          <a:prstGeom prst="rect">
+            <a:avLst/>
+          </a:prstGeom>
+        </p:spPr>
+      </p:pic>
       <p:sp>
         <p:nvSpPr>
           <p:cNvPr id="2" name="Title 1">
@@ -4236,7 +4298,7 @@
           <p:nvPr/>
         </p:nvPicPr>
         <p:blipFill>
-          <a:blip r:embed="rId2">
+          <a:blip r:embed="rId4">
             <a:extLst>
               <a:ext uri="{28A0092B-C50C-407E-A947-70E740481C1C}">
                 <a14:useLocalDpi xmlns:a14="http://schemas.microsoft.com/office/drawing/2010/main" val="0"/>
@@ -4299,6 +4361,356 @@
           <a:chExt cx="0" cy="0"/>
         </a:xfrm>
       </p:grpSpPr>
+      <p:pic>
+        <p:nvPicPr>
+          <p:cNvPr id="6" name="Picture 5">
+            <a:extLst>
+              <a:ext uri="{FF2B5EF4-FFF2-40B4-BE49-F238E27FC236}">
+                <a16:creationId xmlns:a16="http://schemas.microsoft.com/office/drawing/2014/main" id="{4B9E6E65-3C59-4DC5-8E32-6E0EC495F6E7}"/>
+              </a:ext>
+            </a:extLst>
+          </p:cNvPr>
+          <p:cNvPicPr>
+            <a:picLocks noChangeAspect="1"/>
+          </p:cNvPicPr>
+          <p:nvPr/>
+        </p:nvPicPr>
+        <p:blipFill>
+          <a:blip r:embed="rId2"/>
+          <a:stretch>
+            <a:fillRect/>
+          </a:stretch>
+        </p:blipFill>
+        <p:spPr>
+          <a:xfrm>
+            <a:off x="4581331" y="2780522"/>
+            <a:ext cx="3332640" cy="1873594"/>
+          </a:xfrm>
+          <a:prstGeom prst="rect">
+            <a:avLst/>
+          </a:prstGeom>
+        </p:spPr>
+      </p:pic>
+      <p:pic>
+        <p:nvPicPr>
+          <p:cNvPr id="4" name="Picture 3">
+            <a:extLst>
+              <a:ext uri="{FF2B5EF4-FFF2-40B4-BE49-F238E27FC236}">
+                <a16:creationId xmlns:a16="http://schemas.microsoft.com/office/drawing/2014/main" id="{1027A23D-A6A5-4F0E-92D4-AB63F9869C66}"/>
+              </a:ext>
+            </a:extLst>
+          </p:cNvPr>
+          <p:cNvPicPr>
+            <a:picLocks noChangeAspect="1"/>
+          </p:cNvPicPr>
+          <p:nvPr/>
+        </p:nvPicPr>
+        <p:blipFill>
+          <a:blip r:embed="rId3"/>
+          <a:stretch>
+            <a:fillRect/>
+          </a:stretch>
+        </p:blipFill>
+        <p:spPr>
+          <a:xfrm>
+            <a:off x="1831140" y="1680741"/>
+            <a:ext cx="8529720" cy="4795366"/>
+          </a:xfrm>
+          <a:prstGeom prst="rect">
+            <a:avLst/>
+          </a:prstGeom>
+        </p:spPr>
+      </p:pic>
+      <p:sp>
+        <p:nvSpPr>
+          <p:cNvPr id="2" name="Title 1">
+            <a:extLst>
+              <a:ext uri="{FF2B5EF4-FFF2-40B4-BE49-F238E27FC236}">
+                <a16:creationId xmlns:a16="http://schemas.microsoft.com/office/drawing/2014/main" id="{D706A9A2-65F2-49E9-B8F8-68BE9804C667}"/>
+              </a:ext>
+            </a:extLst>
+          </p:cNvPr>
+          <p:cNvSpPr>
+            <a:spLocks noGrp="1"/>
+          </p:cNvSpPr>
+          <p:nvPr>
+            <p:ph type="title"/>
+          </p:nvPr>
+        </p:nvSpPr>
+        <p:spPr/>
+        <p:txBody>
+          <a:bodyPr/>
+          <a:lstStyle/>
+          <a:p>
+            <a:r>
+              <a:rPr lang="en-US" err="1">
+                <a:cs typeface="Calibri Light"/>
+              </a:rPr>
+              <a:t>Bresenham's</a:t>
+            </a:r>
+            <a:r>
+              <a:rPr lang="en-US">
+                <a:cs typeface="Calibri Light"/>
+              </a:rPr>
+              <a:t> line algorithm</a:t>
+            </a:r>
+            <a:endParaRPr lang="en-US"/>
+          </a:p>
+        </p:txBody>
+      </p:sp>
+      <p:pic>
+        <p:nvPicPr>
+          <p:cNvPr id="5" name="Picture 4">
+            <a:extLst>
+              <a:ext uri="{FF2B5EF4-FFF2-40B4-BE49-F238E27FC236}">
+                <a16:creationId xmlns:a16="http://schemas.microsoft.com/office/drawing/2014/main" id="{12ACB720-ED82-462B-8F50-E898DA48D1A1}"/>
+              </a:ext>
+            </a:extLst>
+          </p:cNvPr>
+          <p:cNvPicPr>
+            <a:picLocks noChangeAspect="1"/>
+          </p:cNvPicPr>
+          <p:nvPr/>
+        </p:nvPicPr>
+        <p:blipFill>
+          <a:blip r:embed="rId4">
+            <a:extLst>
+              <a:ext uri="{28A0092B-C50C-407E-A947-70E740481C1C}">
+                <a14:useLocalDpi xmlns:a14="http://schemas.microsoft.com/office/drawing/2010/main" val="0"/>
+              </a:ext>
+            </a:extLst>
+          </a:blip>
+          <a:stretch>
+            <a:fillRect/>
+          </a:stretch>
+        </p:blipFill>
+        <p:spPr>
+          <a:xfrm>
+            <a:off x="12604102" y="365125"/>
+            <a:ext cx="2556645" cy="1675043"/>
+          </a:xfrm>
+          <a:prstGeom prst="rect">
+            <a:avLst/>
+          </a:prstGeom>
+        </p:spPr>
+      </p:pic>
+    </p:spTree>
+    <p:extLst>
+      <p:ext uri="{BB962C8B-B14F-4D97-AF65-F5344CB8AC3E}">
+        <p14:creationId xmlns:p14="http://schemas.microsoft.com/office/powerpoint/2010/main" val="4074762668"/>
+      </p:ext>
+    </p:extLst>
+  </p:cSld>
+  <p:clrMapOvr>
+    <a:masterClrMapping/>
+  </p:clrMapOvr>
+  <mc:AlternateContent xmlns:mc="http://schemas.openxmlformats.org/markup-compatibility/2006">
+    <mc:Choice xmlns:p159="http://schemas.microsoft.com/office/powerpoint/2015/09/main" Requires="p159">
+      <p:transition spd="slow">
+        <p159:morph option="byObject"/>
+      </p:transition>
+    </mc:Choice>
+    <mc:Fallback>
+      <p:transition spd="slow">
+        <p:fade/>
+      </p:transition>
+    </mc:Fallback>
+  </mc:AlternateContent>
+</p:sld>
+</file>
+
+<file path=ppt/slides/slide12.xml><?xml version="1.0" encoding="utf-8"?>
+<p:sld xmlns:a="http://schemas.openxmlformats.org/drawingml/2006/main" xmlns:r="http://schemas.openxmlformats.org/officeDocument/2006/relationships" xmlns:p="http://schemas.openxmlformats.org/presentationml/2006/main">
+  <p:cSld>
+    <p:spTree>
+      <p:nvGrpSpPr>
+        <p:cNvPr id="1" name=""/>
+        <p:cNvGrpSpPr/>
+        <p:nvPr/>
+      </p:nvGrpSpPr>
+      <p:grpSpPr>
+        <a:xfrm>
+          <a:off x="0" y="0"/>
+          <a:ext cx="0" cy="0"/>
+          <a:chOff x="0" y="0"/>
+          <a:chExt cx="0" cy="0"/>
+        </a:xfrm>
+      </p:grpSpPr>
+      <p:pic>
+        <p:nvPicPr>
+          <p:cNvPr id="6" name="Picture 5">
+            <a:extLst>
+              <a:ext uri="{FF2B5EF4-FFF2-40B4-BE49-F238E27FC236}">
+                <a16:creationId xmlns:a16="http://schemas.microsoft.com/office/drawing/2014/main" id="{4B9E6E65-3C59-4DC5-8E32-6E0EC495F6E7}"/>
+              </a:ext>
+            </a:extLst>
+          </p:cNvPr>
+          <p:cNvPicPr>
+            <a:picLocks noChangeAspect="1"/>
+          </p:cNvPicPr>
+          <p:nvPr/>
+        </p:nvPicPr>
+        <p:blipFill>
+          <a:blip r:embed="rId2"/>
+          <a:stretch>
+            <a:fillRect/>
+          </a:stretch>
+        </p:blipFill>
+        <p:spPr>
+          <a:xfrm>
+            <a:off x="1859902" y="1588051"/>
+            <a:ext cx="8472196" cy="4763028"/>
+          </a:xfrm>
+          <a:prstGeom prst="rect">
+            <a:avLst/>
+          </a:prstGeom>
+        </p:spPr>
+      </p:pic>
+      <p:pic>
+        <p:nvPicPr>
+          <p:cNvPr id="4" name="Picture 3">
+            <a:extLst>
+              <a:ext uri="{FF2B5EF4-FFF2-40B4-BE49-F238E27FC236}">
+                <a16:creationId xmlns:a16="http://schemas.microsoft.com/office/drawing/2014/main" id="{1027A23D-A6A5-4F0E-92D4-AB63F9869C66}"/>
+              </a:ext>
+            </a:extLst>
+          </p:cNvPr>
+          <p:cNvPicPr>
+            <a:picLocks noChangeAspect="1"/>
+          </p:cNvPicPr>
+          <p:nvPr/>
+        </p:nvPicPr>
+        <p:blipFill>
+          <a:blip r:embed="rId3"/>
+          <a:stretch>
+            <a:fillRect/>
+          </a:stretch>
+        </p:blipFill>
+        <p:spPr>
+          <a:xfrm>
+            <a:off x="12495499" y="366972"/>
+            <a:ext cx="2665248" cy="1498389"/>
+          </a:xfrm>
+          <a:prstGeom prst="rect">
+            <a:avLst/>
+          </a:prstGeom>
+        </p:spPr>
+      </p:pic>
+      <p:sp>
+        <p:nvSpPr>
+          <p:cNvPr id="2" name="Title 1">
+            <a:extLst>
+              <a:ext uri="{FF2B5EF4-FFF2-40B4-BE49-F238E27FC236}">
+                <a16:creationId xmlns:a16="http://schemas.microsoft.com/office/drawing/2014/main" id="{D706A9A2-65F2-49E9-B8F8-68BE9804C667}"/>
+              </a:ext>
+            </a:extLst>
+          </p:cNvPr>
+          <p:cNvSpPr>
+            <a:spLocks noGrp="1"/>
+          </p:cNvSpPr>
+          <p:nvPr>
+            <p:ph type="title"/>
+          </p:nvPr>
+        </p:nvSpPr>
+        <p:spPr/>
+        <p:txBody>
+          <a:bodyPr/>
+          <a:lstStyle/>
+          <a:p>
+            <a:r>
+              <a:rPr lang="en-US" err="1">
+                <a:cs typeface="Calibri Light"/>
+              </a:rPr>
+              <a:t>Bresenham's</a:t>
+            </a:r>
+            <a:r>
+              <a:rPr lang="en-US">
+                <a:cs typeface="Calibri Light"/>
+              </a:rPr>
+              <a:t> line algorithm</a:t>
+            </a:r>
+            <a:endParaRPr lang="en-US"/>
+          </a:p>
+        </p:txBody>
+      </p:sp>
+      <p:pic>
+        <p:nvPicPr>
+          <p:cNvPr id="5" name="Picture 4">
+            <a:extLst>
+              <a:ext uri="{FF2B5EF4-FFF2-40B4-BE49-F238E27FC236}">
+                <a16:creationId xmlns:a16="http://schemas.microsoft.com/office/drawing/2014/main" id="{12ACB720-ED82-462B-8F50-E898DA48D1A1}"/>
+              </a:ext>
+            </a:extLst>
+          </p:cNvPr>
+          <p:cNvPicPr>
+            <a:picLocks noChangeAspect="1"/>
+          </p:cNvPicPr>
+          <p:nvPr/>
+        </p:nvPicPr>
+        <p:blipFill>
+          <a:blip r:embed="rId4">
+            <a:extLst>
+              <a:ext uri="{28A0092B-C50C-407E-A947-70E740481C1C}">
+                <a14:useLocalDpi xmlns:a14="http://schemas.microsoft.com/office/drawing/2010/main" val="0"/>
+              </a:ext>
+            </a:extLst>
+          </a:blip>
+          <a:stretch>
+            <a:fillRect/>
+          </a:stretch>
+        </p:blipFill>
+        <p:spPr>
+          <a:xfrm>
+            <a:off x="12604102" y="365125"/>
+            <a:ext cx="2556645" cy="1675043"/>
+          </a:xfrm>
+          <a:prstGeom prst="rect">
+            <a:avLst/>
+          </a:prstGeom>
+        </p:spPr>
+      </p:pic>
+    </p:spTree>
+    <p:extLst>
+      <p:ext uri="{BB962C8B-B14F-4D97-AF65-F5344CB8AC3E}">
+        <p14:creationId xmlns:p14="http://schemas.microsoft.com/office/powerpoint/2010/main" val="2708912802"/>
+      </p:ext>
+    </p:extLst>
+  </p:cSld>
+  <p:clrMapOvr>
+    <a:masterClrMapping/>
+  </p:clrMapOvr>
+  <mc:AlternateContent xmlns:mc="http://schemas.openxmlformats.org/markup-compatibility/2006">
+    <mc:Choice xmlns:p159="http://schemas.microsoft.com/office/powerpoint/2015/09/main" Requires="p159">
+      <p:transition spd="slow">
+        <p159:morph option="byObject"/>
+      </p:transition>
+    </mc:Choice>
+    <mc:Fallback>
+      <p:transition spd="slow">
+        <p:fade/>
+      </p:transition>
+    </mc:Fallback>
+  </mc:AlternateContent>
+</p:sld>
+</file>
+
+<file path=ppt/slides/slide13.xml><?xml version="1.0" encoding="utf-8"?>
+<p:sld xmlns:a="http://schemas.openxmlformats.org/drawingml/2006/main" xmlns:r="http://schemas.openxmlformats.org/officeDocument/2006/relationships" xmlns:p="http://schemas.openxmlformats.org/presentationml/2006/main">
+  <p:cSld>
+    <p:spTree>
+      <p:nvGrpSpPr>
+        <p:cNvPr id="1" name=""/>
+        <p:cNvGrpSpPr/>
+        <p:nvPr/>
+      </p:nvGrpSpPr>
+      <p:grpSpPr>
+        <a:xfrm>
+          <a:off x="0" y="0"/>
+          <a:ext cx="0" cy="0"/>
+          <a:chOff x="0" y="0"/>
+          <a:chExt cx="0" cy="0"/>
+        </a:xfrm>
+      </p:grpSpPr>
       <p:sp>
         <p:nvSpPr>
           <p:cNvPr id="2" name="Title 1">
@@ -4343,7 +4755,12 @@
             <p:ph idx="1"/>
           </p:nvPr>
         </p:nvSpPr>
-        <p:spPr/>
+        <p:spPr>
+          <a:xfrm>
+            <a:off x="838200" y="1825625"/>
+            <a:ext cx="10515600" cy="4351338"/>
+          </a:xfrm>
+        </p:spPr>
         <p:txBody>
           <a:bodyPr vert="horz" lIns="91440" tIns="45720" rIns="91440" bIns="45720" rtlCol="0" anchor="t">
             <a:normAutofit/>
@@ -4369,6 +4786,36 @@
           </a:p>
         </p:txBody>
       </p:sp>
+      <p:pic>
+        <p:nvPicPr>
+          <p:cNvPr id="4" name="Picture 3">
+            <a:extLst>
+              <a:ext uri="{FF2B5EF4-FFF2-40B4-BE49-F238E27FC236}">
+                <a16:creationId xmlns:a16="http://schemas.microsoft.com/office/drawing/2014/main" id="{2BB50A38-5318-466D-B34E-2E092414FF9F}"/>
+              </a:ext>
+            </a:extLst>
+          </p:cNvPr>
+          <p:cNvPicPr>
+            <a:picLocks noChangeAspect="1"/>
+          </p:cNvPicPr>
+          <p:nvPr/>
+        </p:nvPicPr>
+        <p:blipFill>
+          <a:blip r:embed="rId2"/>
+          <a:stretch>
+            <a:fillRect/>
+          </a:stretch>
+        </p:blipFill>
+        <p:spPr>
+          <a:xfrm>
+            <a:off x="12576111" y="365125"/>
+            <a:ext cx="2830286" cy="1591173"/>
+          </a:xfrm>
+          <a:prstGeom prst="rect">
+            <a:avLst/>
+          </a:prstGeom>
+        </p:spPr>
+      </p:pic>
     </p:spTree>
     <p:extLst>
       <p:ext uri="{BB962C8B-B14F-4D97-AF65-F5344CB8AC3E}">
@@ -4394,7 +4841,7 @@
 </p:sld>
 </file>
 
-<file path=ppt/slides/slide12.xml><?xml version="1.0" encoding="utf-8"?>
+<file path=ppt/slides/slide14.xml><?xml version="1.0" encoding="utf-8"?>
 <p:sld xmlns:a="http://schemas.openxmlformats.org/drawingml/2006/main" xmlns:r="http://schemas.openxmlformats.org/officeDocument/2006/relationships" xmlns:p="http://schemas.openxmlformats.org/presentationml/2006/main">
   <p:cSld>
     <p:spTree>
@@ -5767,6 +6214,78 @@
           </a:p>
         </p:txBody>
       </p:sp>
+      <p:pic>
+        <p:nvPicPr>
+          <p:cNvPr id="5" name="Grafik 4">
+            <a:extLst>
+              <a:ext uri="{FF2B5EF4-FFF2-40B4-BE49-F238E27FC236}">
+                <a16:creationId xmlns:a16="http://schemas.microsoft.com/office/drawing/2014/main" id="{388D5C5C-272D-47ED-AE45-17951C4519E2}"/>
+              </a:ext>
+            </a:extLst>
+          </p:cNvPr>
+          <p:cNvPicPr>
+            <a:picLocks noChangeAspect="1"/>
+          </p:cNvPicPr>
+          <p:nvPr/>
+        </p:nvPicPr>
+        <p:blipFill>
+          <a:blip r:embed="rId3">
+            <a:extLst>
+              <a:ext uri="{28A0092B-C50C-407E-A947-70E740481C1C}">
+                <a14:useLocalDpi xmlns:a14="http://schemas.microsoft.com/office/drawing/2010/main" val="0"/>
+              </a:ext>
+            </a:extLst>
+          </a:blip>
+          <a:stretch>
+            <a:fillRect/>
+          </a:stretch>
+        </p:blipFill>
+        <p:spPr>
+          <a:xfrm>
+            <a:off x="13123295" y="365125"/>
+            <a:ext cx="1371600" cy="1371600"/>
+          </a:xfrm>
+          <a:prstGeom prst="rect">
+            <a:avLst/>
+          </a:prstGeom>
+        </p:spPr>
+      </p:pic>
+      <p:pic>
+        <p:nvPicPr>
+          <p:cNvPr id="6" name="Grafik 6">
+            <a:extLst>
+              <a:ext uri="{FF2B5EF4-FFF2-40B4-BE49-F238E27FC236}">
+                <a16:creationId xmlns:a16="http://schemas.microsoft.com/office/drawing/2014/main" id="{A8C09D64-A512-4F34-B5AF-4C53F19DCCA8}"/>
+              </a:ext>
+            </a:extLst>
+          </p:cNvPr>
+          <p:cNvPicPr>
+            <a:picLocks noChangeAspect="1"/>
+          </p:cNvPicPr>
+          <p:nvPr/>
+        </p:nvPicPr>
+        <p:blipFill>
+          <a:blip r:embed="rId4">
+            <a:extLst>
+              <a:ext uri="{28A0092B-C50C-407E-A947-70E740481C1C}">
+                <a14:useLocalDpi xmlns:a14="http://schemas.microsoft.com/office/drawing/2010/main" val="0"/>
+              </a:ext>
+            </a:extLst>
+          </a:blip>
+          <a:stretch>
+            <a:fillRect/>
+          </a:stretch>
+        </p:blipFill>
+        <p:spPr>
+          <a:xfrm>
+            <a:off x="13123295" y="342106"/>
+            <a:ext cx="1371600" cy="1371600"/>
+          </a:xfrm>
+          <a:prstGeom prst="rect">
+            <a:avLst/>
+          </a:prstGeom>
+        </p:spPr>
+      </p:pic>
     </p:spTree>
     <p:extLst>
       <p:ext uri="{BB962C8B-B14F-4D97-AF65-F5344CB8AC3E}">
@@ -5893,6 +6412,168 @@
                                   </p:childTnLst>
                                 </p:cTn>
                               </p:par>
+                              <p:par>
+                                <p:cTn id="10" presetID="42" presetClass="entr" presetSubtype="0" fill="hold" nodeType="withEffect">
+                                  <p:stCondLst>
+                                    <p:cond delay="0"/>
+                                  </p:stCondLst>
+                                  <p:childTnLst>
+                                    <p:set>
+                                      <p:cBhvr>
+                                        <p:cTn id="11" dur="1" fill="hold">
+                                          <p:stCondLst>
+                                            <p:cond delay="0"/>
+                                          </p:stCondLst>
+                                        </p:cTn>
+                                        <p:tgtEl>
+                                          <p:spTgt spid="5"/>
+                                        </p:tgtEl>
+                                        <p:attrNameLst>
+                                          <p:attrName>style.visibility</p:attrName>
+                                        </p:attrNameLst>
+                                      </p:cBhvr>
+                                      <p:to>
+                                        <p:strVal val="visible"/>
+                                      </p:to>
+                                    </p:set>
+                                    <p:animEffect transition="in" filter="fade">
+                                      <p:cBhvr>
+                                        <p:cTn id="12" dur="1000"/>
+                                        <p:tgtEl>
+                                          <p:spTgt spid="5"/>
+                                        </p:tgtEl>
+                                      </p:cBhvr>
+                                    </p:animEffect>
+                                    <p:anim calcmode="lin" valueType="num">
+                                      <p:cBhvr>
+                                        <p:cTn id="13" dur="1000" fill="hold"/>
+                                        <p:tgtEl>
+                                          <p:spTgt spid="5"/>
+                                        </p:tgtEl>
+                                        <p:attrNameLst>
+                                          <p:attrName>ppt_x</p:attrName>
+                                        </p:attrNameLst>
+                                      </p:cBhvr>
+                                      <p:tavLst>
+                                        <p:tav tm="0">
+                                          <p:val>
+                                            <p:strVal val="#ppt_x"/>
+                                          </p:val>
+                                        </p:tav>
+                                        <p:tav tm="100000">
+                                          <p:val>
+                                            <p:strVal val="#ppt_x"/>
+                                          </p:val>
+                                        </p:tav>
+                                      </p:tavLst>
+                                    </p:anim>
+                                    <p:anim calcmode="lin" valueType="num">
+                                      <p:cBhvr>
+                                        <p:cTn id="14" dur="1000" fill="hold"/>
+                                        <p:tgtEl>
+                                          <p:spTgt spid="5"/>
+                                        </p:tgtEl>
+                                        <p:attrNameLst>
+                                          <p:attrName>ppt_y</p:attrName>
+                                        </p:attrNameLst>
+                                      </p:cBhvr>
+                                      <p:tavLst>
+                                        <p:tav tm="0">
+                                          <p:val>
+                                            <p:strVal val="#ppt_y+.1"/>
+                                          </p:val>
+                                        </p:tav>
+                                        <p:tav tm="100000">
+                                          <p:val>
+                                            <p:strVal val="#ppt_y"/>
+                                          </p:val>
+                                        </p:tav>
+                                      </p:tavLst>
+                                    </p:anim>
+                                  </p:childTnLst>
+                                </p:cTn>
+                              </p:par>
+                              <p:par>
+                                <p:cTn id="15" presetID="42" presetClass="entr" presetSubtype="0" fill="hold" nodeType="withEffect">
+                                  <p:stCondLst>
+                                    <p:cond delay="0"/>
+                                  </p:stCondLst>
+                                  <p:childTnLst>
+                                    <p:set>
+                                      <p:cBhvr>
+                                        <p:cTn id="16" dur="1" fill="hold">
+                                          <p:stCondLst>
+                                            <p:cond delay="0"/>
+                                          </p:stCondLst>
+                                        </p:cTn>
+                                        <p:tgtEl>
+                                          <p:spTgt spid="6"/>
+                                        </p:tgtEl>
+                                        <p:attrNameLst>
+                                          <p:attrName>style.visibility</p:attrName>
+                                        </p:attrNameLst>
+                                      </p:cBhvr>
+                                      <p:to>
+                                        <p:strVal val="visible"/>
+                                      </p:to>
+                                    </p:set>
+                                    <p:animEffect transition="in" filter="fade">
+                                      <p:cBhvr>
+                                        <p:cTn id="17" dur="1000"/>
+                                        <p:tgtEl>
+                                          <p:spTgt spid="6"/>
+                                        </p:tgtEl>
+                                      </p:cBhvr>
+                                    </p:animEffect>
+                                    <p:anim calcmode="lin" valueType="num">
+                                      <p:cBhvr>
+                                        <p:cTn id="18" dur="1000" fill="hold"/>
+                                        <p:tgtEl>
+                                          <p:spTgt spid="6"/>
+                                        </p:tgtEl>
+                                        <p:attrNameLst>
+                                          <p:attrName>ppt_x</p:attrName>
+                                        </p:attrNameLst>
+                                      </p:cBhvr>
+                                      <p:tavLst>
+                                        <p:tav tm="0">
+                                          <p:val>
+                                            <p:strVal val="#ppt_x"/>
+                                          </p:val>
+                                        </p:tav>
+                                        <p:tav tm="100000">
+                                          <p:val>
+                                            <p:strVal val="#ppt_x"/>
+                                          </p:val>
+                                        </p:tav>
+                                      </p:tavLst>
+                                    </p:anim>
+                                    <p:anim calcmode="lin" valueType="num">
+                                      <p:cBhvr>
+                                        <p:cTn id="19" dur="1000" fill="hold"/>
+                                        <p:tgtEl>
+                                          <p:spTgt spid="6"/>
+                                        </p:tgtEl>
+                                        <p:attrNameLst>
+                                          <p:attrName>ppt_y</p:attrName>
+                                        </p:attrNameLst>
+                                      </p:cBhvr>
+                                      <p:tavLst>
+                                        <p:tav tm="0">
+                                          <p:val>
+                                            <p:strVal val="#ppt_y+.1"/>
+                                          </p:val>
+                                        </p:tav>
+                                        <p:tav tm="100000">
+                                          <p:val>
+                                            <p:strVal val="#ppt_y"/>
+                                          </p:val>
+                                        </p:tav>
+                                      </p:tavLst>
+                                    </p:anim>
+                                  </p:childTnLst>
+                                </p:cTn>
+                              </p:par>
                             </p:childTnLst>
                           </p:cTn>
                         </p:par>
@@ -6046,6 +6727,42 @@
           </a:p>
         </p:txBody>
       </p:sp>
+      <p:pic>
+        <p:nvPicPr>
+          <p:cNvPr id="4" name="Inhaltsplatzhalter 6">
+            <a:extLst>
+              <a:ext uri="{FF2B5EF4-FFF2-40B4-BE49-F238E27FC236}">
+                <a16:creationId xmlns:a16="http://schemas.microsoft.com/office/drawing/2014/main" id="{3E951E23-A89A-4963-8978-37B2DBEF9325}"/>
+              </a:ext>
+            </a:extLst>
+          </p:cNvPr>
+          <p:cNvPicPr>
+            <a:picLocks noChangeAspect="1"/>
+          </p:cNvPicPr>
+          <p:nvPr/>
+        </p:nvPicPr>
+        <p:blipFill>
+          <a:blip r:embed="rId2" cstate="print">
+            <a:extLst>
+              <a:ext uri="{28A0092B-C50C-407E-A947-70E740481C1C}">
+                <a14:useLocalDpi xmlns:a14="http://schemas.microsoft.com/office/drawing/2010/main" val="0"/>
+              </a:ext>
+            </a:extLst>
+          </a:blip>
+          <a:stretch>
+            <a:fillRect/>
+          </a:stretch>
+        </p:blipFill>
+        <p:spPr>
+          <a:xfrm>
+            <a:off x="12782975" y="544589"/>
+            <a:ext cx="1214693" cy="1146099"/>
+          </a:xfrm>
+          <a:prstGeom prst="rect">
+            <a:avLst/>
+          </a:prstGeom>
+        </p:spPr>
+      </p:pic>
     </p:spTree>
     <p:extLst>
       <p:ext uri="{BB962C8B-B14F-4D97-AF65-F5344CB8AC3E}">
@@ -6068,6 +6785,138 @@
       </p:transition>
     </mc:Fallback>
   </mc:AlternateContent>
+  <p:timing>
+    <p:tnLst>
+      <p:par>
+        <p:cTn id="1" dur="indefinite" restart="never" nodeType="tmRoot">
+          <p:childTnLst>
+            <p:seq concurrent="1" nextAc="seek">
+              <p:cTn id="2" dur="indefinite" nodeType="mainSeq">
+                <p:childTnLst>
+                  <p:par>
+                    <p:cTn id="3" fill="hold">
+                      <p:stCondLst>
+                        <p:cond delay="indefinite"/>
+                        <p:cond evt="onBegin" delay="0">
+                          <p:tn val="2"/>
+                        </p:cond>
+                      </p:stCondLst>
+                      <p:childTnLst>
+                        <p:par>
+                          <p:cTn id="4" fill="hold">
+                            <p:stCondLst>
+                              <p:cond delay="0"/>
+                            </p:stCondLst>
+                            <p:childTnLst>
+                              <p:par>
+                                <p:cTn id="5" presetID="42" presetClass="entr" presetSubtype="0" fill="hold" nodeType="withEffect">
+                                  <p:stCondLst>
+                                    <p:cond delay="0"/>
+                                  </p:stCondLst>
+                                  <p:childTnLst>
+                                    <p:set>
+                                      <p:cBhvr>
+                                        <p:cTn id="6" dur="1" fill="hold">
+                                          <p:stCondLst>
+                                            <p:cond delay="0"/>
+                                          </p:stCondLst>
+                                        </p:cTn>
+                                        <p:tgtEl>
+                                          <p:spTgt spid="4"/>
+                                        </p:tgtEl>
+                                        <p:attrNameLst>
+                                          <p:attrName>style.visibility</p:attrName>
+                                        </p:attrNameLst>
+                                      </p:cBhvr>
+                                      <p:to>
+                                        <p:strVal val="visible"/>
+                                      </p:to>
+                                    </p:set>
+                                    <p:animEffect transition="in" filter="fade">
+                                      <p:cBhvr>
+                                        <p:cTn id="7" dur="1000"/>
+                                        <p:tgtEl>
+                                          <p:spTgt spid="4"/>
+                                        </p:tgtEl>
+                                      </p:cBhvr>
+                                    </p:animEffect>
+                                    <p:anim calcmode="lin" valueType="num">
+                                      <p:cBhvr>
+                                        <p:cTn id="8" dur="1000" fill="hold"/>
+                                        <p:tgtEl>
+                                          <p:spTgt spid="4"/>
+                                        </p:tgtEl>
+                                        <p:attrNameLst>
+                                          <p:attrName>ppt_x</p:attrName>
+                                        </p:attrNameLst>
+                                      </p:cBhvr>
+                                      <p:tavLst>
+                                        <p:tav tm="0">
+                                          <p:val>
+                                            <p:strVal val="#ppt_x"/>
+                                          </p:val>
+                                        </p:tav>
+                                        <p:tav tm="100000">
+                                          <p:val>
+                                            <p:strVal val="#ppt_x"/>
+                                          </p:val>
+                                        </p:tav>
+                                      </p:tavLst>
+                                    </p:anim>
+                                    <p:anim calcmode="lin" valueType="num">
+                                      <p:cBhvr>
+                                        <p:cTn id="9" dur="1000" fill="hold"/>
+                                        <p:tgtEl>
+                                          <p:spTgt spid="4"/>
+                                        </p:tgtEl>
+                                        <p:attrNameLst>
+                                          <p:attrName>ppt_y</p:attrName>
+                                        </p:attrNameLst>
+                                      </p:cBhvr>
+                                      <p:tavLst>
+                                        <p:tav tm="0">
+                                          <p:val>
+                                            <p:strVal val="#ppt_y+.1"/>
+                                          </p:val>
+                                        </p:tav>
+                                        <p:tav tm="100000">
+                                          <p:val>
+                                            <p:strVal val="#ppt_y"/>
+                                          </p:val>
+                                        </p:tav>
+                                      </p:tavLst>
+                                    </p:anim>
+                                  </p:childTnLst>
+                                </p:cTn>
+                              </p:par>
+                            </p:childTnLst>
+                          </p:cTn>
+                        </p:par>
+                      </p:childTnLst>
+                    </p:cTn>
+                  </p:par>
+                </p:childTnLst>
+              </p:cTn>
+              <p:prevCondLst>
+                <p:cond evt="onPrev" delay="0">
+                  <p:tgtEl>
+                    <p:sldTgt/>
+                  </p:tgtEl>
+                </p:cond>
+              </p:prevCondLst>
+              <p:nextCondLst>
+                <p:cond evt="onNext" delay="0">
+                  <p:tgtEl>
+                    <p:sldTgt/>
+                  </p:tgtEl>
+                </p:cond>
+              </p:nextCondLst>
+            </p:seq>
+          </p:childTnLst>
+        </p:cTn>
+      </p:par>
+    </p:tnLst>
+  </p:timing>
 </p:sld>
 </file>
 
@@ -6459,6 +7308,36 @@
           </a:prstGeom>
         </p:spPr>
       </p:pic>
+      <p:pic>
+        <p:nvPicPr>
+          <p:cNvPr id="5" name="Grafik 3">
+            <a:extLst>
+              <a:ext uri="{FF2B5EF4-FFF2-40B4-BE49-F238E27FC236}">
+                <a16:creationId xmlns:a16="http://schemas.microsoft.com/office/drawing/2014/main" id="{2189D966-3154-4E4D-954D-188563A5B844}"/>
+              </a:ext>
+            </a:extLst>
+          </p:cNvPr>
+          <p:cNvPicPr>
+            <a:picLocks noChangeAspect="1"/>
+          </p:cNvPicPr>
+          <p:nvPr/>
+        </p:nvPicPr>
+        <p:blipFill>
+          <a:blip r:embed="rId3"/>
+          <a:stretch>
+            <a:fillRect/>
+          </a:stretch>
+        </p:blipFill>
+        <p:spPr>
+          <a:xfrm>
+            <a:off x="12736286" y="513377"/>
+            <a:ext cx="3412382" cy="1909090"/>
+          </a:xfrm>
+          <a:prstGeom prst="rect">
+            <a:avLst/>
+          </a:prstGeom>
+        </p:spPr>
+      </p:pic>
     </p:spTree>
     <p:extLst>
       <p:ext uri="{BB962C8B-B14F-4D97-AF65-F5344CB8AC3E}">
@@ -6585,6 +7464,32 @@
                                   </p:childTnLst>
                                 </p:cTn>
                               </p:par>
+                              <p:par>
+                                <p:cTn id="10" presetID="26" presetClass="emph" presetSubtype="0" fill="hold" nodeType="withEffect">
+                                  <p:stCondLst>
+                                    <p:cond delay="0"/>
+                                  </p:stCondLst>
+                                  <p:childTnLst>
+                                    <p:animEffect transition="out" filter="fade">
+                                      <p:cBhvr>
+                                        <p:cTn id="11" dur="250" tmFilter="0, 0; .2, .5; .8, .5; 1, 0"/>
+                                        <p:tgtEl>
+                                          <p:spTgt spid="5"/>
+                                        </p:tgtEl>
+                                      </p:cBhvr>
+                                    </p:animEffect>
+                                    <p:animScale>
+                                      <p:cBhvr>
+                                        <p:cTn id="12" dur="125" autoRev="1" fill="hold"/>
+                                        <p:tgtEl>
+                                          <p:spTgt spid="5"/>
+                                        </p:tgtEl>
+                                      </p:cBhvr>
+                                      <p:by x="105000" y="105000"/>
+                                    </p:animScale>
+                                  </p:childTnLst>
+                                </p:cTn>
+                              </p:par>
                             </p:childTnLst>
                           </p:cTn>
                         </p:par>
@@ -6924,6 +7829,102 @@
           <a:xfrm>
             <a:off x="7700597" y="3807558"/>
             <a:ext cx="3980962" cy="2613270"/>
+          </a:xfrm>
+          <a:prstGeom prst="rect">
+            <a:avLst/>
+          </a:prstGeom>
+        </p:spPr>
+      </p:pic>
+      <p:pic>
+        <p:nvPicPr>
+          <p:cNvPr id="5" name="Picture 4">
+            <a:extLst>
+              <a:ext uri="{FF2B5EF4-FFF2-40B4-BE49-F238E27FC236}">
+                <a16:creationId xmlns:a16="http://schemas.microsoft.com/office/drawing/2014/main" id="{68220FFF-5DE7-4B7E-B400-A0E1FEE895C5}"/>
+              </a:ext>
+            </a:extLst>
+          </p:cNvPr>
+          <p:cNvPicPr>
+            <a:picLocks noChangeAspect="1"/>
+          </p:cNvPicPr>
+          <p:nvPr/>
+        </p:nvPicPr>
+        <p:blipFill>
+          <a:blip r:embed="rId3"/>
+          <a:stretch>
+            <a:fillRect/>
+          </a:stretch>
+        </p:blipFill>
+        <p:spPr>
+          <a:xfrm>
+            <a:off x="353596" y="4251015"/>
+            <a:ext cx="3070740" cy="1726355"/>
+          </a:xfrm>
+          <a:prstGeom prst="rect">
+            <a:avLst/>
+          </a:prstGeom>
+        </p:spPr>
+      </p:pic>
+      <p:pic>
+        <p:nvPicPr>
+          <p:cNvPr id="6" name="Picture 5">
+            <a:extLst>
+              <a:ext uri="{FF2B5EF4-FFF2-40B4-BE49-F238E27FC236}">
+                <a16:creationId xmlns:a16="http://schemas.microsoft.com/office/drawing/2014/main" id="{3E6B6C2C-F31B-4E67-B1CF-3A5810691943}"/>
+              </a:ext>
+            </a:extLst>
+          </p:cNvPr>
+          <p:cNvPicPr>
+            <a:picLocks noChangeAspect="1"/>
+          </p:cNvPicPr>
+          <p:nvPr/>
+        </p:nvPicPr>
+        <p:blipFill>
+          <a:blip r:embed="rId4"/>
+          <a:stretch>
+            <a:fillRect/>
+          </a:stretch>
+        </p:blipFill>
+        <p:spPr>
+          <a:xfrm>
+            <a:off x="3908940" y="4251015"/>
+            <a:ext cx="3070740" cy="1726355"/>
+          </a:xfrm>
+          <a:prstGeom prst="rect">
+            <a:avLst/>
+          </a:prstGeom>
+        </p:spPr>
+      </p:pic>
+      <p:pic>
+        <p:nvPicPr>
+          <p:cNvPr id="7" name="Picture 6" descr="A picture containing shoji, object&#10;&#10;Description automatically generated">
+            <a:extLst>
+              <a:ext uri="{FF2B5EF4-FFF2-40B4-BE49-F238E27FC236}">
+                <a16:creationId xmlns:a16="http://schemas.microsoft.com/office/drawing/2014/main" id="{64401E77-5572-4479-9BA0-8E982D20A6BA}"/>
+              </a:ext>
+            </a:extLst>
+          </p:cNvPr>
+          <p:cNvPicPr>
+            <a:picLocks noChangeAspect="1"/>
+          </p:cNvPicPr>
+          <p:nvPr/>
+        </p:nvPicPr>
+        <p:blipFill>
+          <a:blip r:embed="rId5">
+            <a:extLst>
+              <a:ext uri="{28A0092B-C50C-407E-A947-70E740481C1C}">
+                <a14:useLocalDpi xmlns:a14="http://schemas.microsoft.com/office/drawing/2010/main" val="0"/>
+              </a:ext>
+            </a:extLst>
+          </a:blip>
+          <a:stretch>
+            <a:fillRect/>
+          </a:stretch>
+        </p:blipFill>
+        <p:spPr>
+          <a:xfrm>
+            <a:off x="13501396" y="-799742"/>
+            <a:ext cx="4362781" cy="2349190"/>
           </a:xfrm>
           <a:prstGeom prst="rect">
             <a:avLst/>

--- a/POS.pptx
+++ b/POS.pptx
@@ -759,13 +759,13 @@
   <p:clrMapOvr>
     <a:masterClrMapping/>
   </p:clrMapOvr>
-  <mc:AlternateContent xmlns:mc="http://schemas.openxmlformats.org/markup-compatibility/2006">
-    <mc:Choice xmlns:p159="http://schemas.microsoft.com/office/powerpoint/2015/09/main" Requires="p159">
+  <mc:AlternateContent xmlns:mc="http://schemas.openxmlformats.org/markup-compatibility/2006" xmlns:p159="http://schemas.microsoft.com/office/powerpoint/2015/09/main">
+    <mc:Choice Requires="p159">
       <p:transition spd="slow">
         <p159:morph option="byObject"/>
       </p:transition>
     </mc:Choice>
-    <mc:Fallback>
+    <mc:Fallback xmlns="">
       <p:transition spd="slow">
         <p:fade/>
       </p:transition>
@@ -939,13 +939,13 @@
   <p:clrMapOvr>
     <a:masterClrMapping/>
   </p:clrMapOvr>
-  <mc:AlternateContent xmlns:mc="http://schemas.openxmlformats.org/markup-compatibility/2006">
-    <mc:Choice xmlns:p159="http://schemas.microsoft.com/office/powerpoint/2015/09/main" Requires="p159">
+  <mc:AlternateContent xmlns:mc="http://schemas.openxmlformats.org/markup-compatibility/2006" xmlns:p159="http://schemas.microsoft.com/office/powerpoint/2015/09/main">
+    <mc:Choice Requires="p159">
       <p:transition spd="slow">
         <p159:morph option="byObject"/>
       </p:transition>
     </mc:Choice>
-    <mc:Fallback>
+    <mc:Fallback xmlns="">
       <p:transition spd="slow">
         <p:fade/>
       </p:transition>
@@ -1129,13 +1129,13 @@
   <p:clrMapOvr>
     <a:masterClrMapping/>
   </p:clrMapOvr>
-  <mc:AlternateContent xmlns:mc="http://schemas.openxmlformats.org/markup-compatibility/2006">
-    <mc:Choice xmlns:p159="http://schemas.microsoft.com/office/powerpoint/2015/09/main" Requires="p159">
+  <mc:AlternateContent xmlns:mc="http://schemas.openxmlformats.org/markup-compatibility/2006" xmlns:p159="http://schemas.microsoft.com/office/powerpoint/2015/09/main">
+    <mc:Choice Requires="p159">
       <p:transition spd="slow">
         <p159:morph option="byObject"/>
       </p:transition>
     </mc:Choice>
-    <mc:Fallback>
+    <mc:Fallback xmlns="">
       <p:transition spd="slow">
         <p:fade/>
       </p:transition>
@@ -1309,13 +1309,13 @@
   <p:clrMapOvr>
     <a:masterClrMapping/>
   </p:clrMapOvr>
-  <mc:AlternateContent xmlns:mc="http://schemas.openxmlformats.org/markup-compatibility/2006">
-    <mc:Choice xmlns:p159="http://schemas.microsoft.com/office/powerpoint/2015/09/main" Requires="p159">
+  <mc:AlternateContent xmlns:mc="http://schemas.openxmlformats.org/markup-compatibility/2006" xmlns:p159="http://schemas.microsoft.com/office/powerpoint/2015/09/main">
+    <mc:Choice Requires="p159">
       <p:transition spd="slow">
         <p159:morph option="byObject"/>
       </p:transition>
     </mc:Choice>
-    <mc:Fallback>
+    <mc:Fallback xmlns="">
       <p:transition spd="slow">
         <p:fade/>
       </p:transition>
@@ -1566,13 +1566,13 @@
   <p:clrMapOvr>
     <a:masterClrMapping/>
   </p:clrMapOvr>
-  <mc:AlternateContent xmlns:mc="http://schemas.openxmlformats.org/markup-compatibility/2006">
-    <mc:Choice xmlns:p159="http://schemas.microsoft.com/office/powerpoint/2015/09/main" Requires="p159">
+  <mc:AlternateContent xmlns:mc="http://schemas.openxmlformats.org/markup-compatibility/2006" xmlns:p159="http://schemas.microsoft.com/office/powerpoint/2015/09/main">
+    <mc:Choice Requires="p159">
       <p:transition spd="slow">
         <p159:morph option="byObject"/>
       </p:transition>
     </mc:Choice>
-    <mc:Fallback>
+    <mc:Fallback xmlns="">
       <p:transition spd="slow">
         <p:fade/>
       </p:transition>
@@ -1807,13 +1807,13 @@
   <p:clrMapOvr>
     <a:masterClrMapping/>
   </p:clrMapOvr>
-  <mc:AlternateContent xmlns:mc="http://schemas.openxmlformats.org/markup-compatibility/2006">
-    <mc:Choice xmlns:p159="http://schemas.microsoft.com/office/powerpoint/2015/09/main" Requires="p159">
+  <mc:AlternateContent xmlns:mc="http://schemas.openxmlformats.org/markup-compatibility/2006" xmlns:p159="http://schemas.microsoft.com/office/powerpoint/2015/09/main">
+    <mc:Choice Requires="p159">
       <p:transition spd="slow">
         <p159:morph option="byObject"/>
       </p:transition>
     </mc:Choice>
-    <mc:Fallback>
+    <mc:Fallback xmlns="">
       <p:transition spd="slow">
         <p:fade/>
       </p:transition>
@@ -2183,13 +2183,13 @@
   <p:clrMapOvr>
     <a:masterClrMapping/>
   </p:clrMapOvr>
-  <mc:AlternateContent xmlns:mc="http://schemas.openxmlformats.org/markup-compatibility/2006">
-    <mc:Choice xmlns:p159="http://schemas.microsoft.com/office/powerpoint/2015/09/main" Requires="p159">
+  <mc:AlternateContent xmlns:mc="http://schemas.openxmlformats.org/markup-compatibility/2006" xmlns:p159="http://schemas.microsoft.com/office/powerpoint/2015/09/main">
+    <mc:Choice Requires="p159">
       <p:transition spd="slow">
         <p159:morph option="byObject"/>
       </p:transition>
     </mc:Choice>
-    <mc:Fallback>
+    <mc:Fallback xmlns="">
       <p:transition spd="slow">
         <p:fade/>
       </p:transition>
@@ -2312,13 +2312,13 @@
   <p:clrMapOvr>
     <a:masterClrMapping/>
   </p:clrMapOvr>
-  <mc:AlternateContent xmlns:mc="http://schemas.openxmlformats.org/markup-compatibility/2006">
-    <mc:Choice xmlns:p159="http://schemas.microsoft.com/office/powerpoint/2015/09/main" Requires="p159">
+  <mc:AlternateContent xmlns:mc="http://schemas.openxmlformats.org/markup-compatibility/2006" xmlns:p159="http://schemas.microsoft.com/office/powerpoint/2015/09/main">
+    <mc:Choice Requires="p159">
       <p:transition spd="slow">
         <p159:morph option="byObject"/>
       </p:transition>
     </mc:Choice>
-    <mc:Fallback>
+    <mc:Fallback xmlns="">
       <p:transition spd="slow">
         <p:fade/>
       </p:transition>
@@ -2419,13 +2419,13 @@
   <p:clrMapOvr>
     <a:masterClrMapping/>
   </p:clrMapOvr>
-  <mc:AlternateContent xmlns:mc="http://schemas.openxmlformats.org/markup-compatibility/2006">
-    <mc:Choice xmlns:p159="http://schemas.microsoft.com/office/powerpoint/2015/09/main" Requires="p159">
+  <mc:AlternateContent xmlns:mc="http://schemas.openxmlformats.org/markup-compatibility/2006" xmlns:p159="http://schemas.microsoft.com/office/powerpoint/2015/09/main">
+    <mc:Choice Requires="p159">
       <p:transition spd="slow">
         <p159:morph option="byObject"/>
       </p:transition>
     </mc:Choice>
-    <mc:Fallback>
+    <mc:Fallback xmlns="">
       <p:transition spd="slow">
         <p:fade/>
       </p:transition>
@@ -2706,13 +2706,13 @@
   <p:clrMapOvr>
     <a:masterClrMapping/>
   </p:clrMapOvr>
-  <mc:AlternateContent xmlns:mc="http://schemas.openxmlformats.org/markup-compatibility/2006">
-    <mc:Choice xmlns:p159="http://schemas.microsoft.com/office/powerpoint/2015/09/main" Requires="p159">
+  <mc:AlternateContent xmlns:mc="http://schemas.openxmlformats.org/markup-compatibility/2006" xmlns:p159="http://schemas.microsoft.com/office/powerpoint/2015/09/main">
+    <mc:Choice Requires="p159">
       <p:transition spd="slow">
         <p159:morph option="byObject"/>
       </p:transition>
     </mc:Choice>
-    <mc:Fallback>
+    <mc:Fallback xmlns="">
       <p:transition spd="slow">
         <p:fade/>
       </p:transition>
@@ -2970,13 +2970,13 @@
   <p:clrMapOvr>
     <a:masterClrMapping/>
   </p:clrMapOvr>
-  <mc:AlternateContent xmlns:mc="http://schemas.openxmlformats.org/markup-compatibility/2006">
-    <mc:Choice xmlns:p159="http://schemas.microsoft.com/office/powerpoint/2015/09/main" Requires="p159">
+  <mc:AlternateContent xmlns:mc="http://schemas.openxmlformats.org/markup-compatibility/2006" xmlns:p159="http://schemas.microsoft.com/office/powerpoint/2015/09/main">
+    <mc:Choice Requires="p159">
       <p:transition spd="slow">
         <p159:morph option="byObject"/>
       </p:transition>
     </mc:Choice>
-    <mc:Fallback>
+    <mc:Fallback xmlns="">
       <p:transition spd="slow">
         <p:fade/>
       </p:transition>
@@ -3240,13 +3240,13 @@
     <p:sldLayoutId id="2147483658" r:id="rId10"/>
     <p:sldLayoutId id="2147483659" r:id="rId11"/>
   </p:sldLayoutIdLst>
-  <mc:AlternateContent xmlns:mc="http://schemas.openxmlformats.org/markup-compatibility/2006">
-    <mc:Choice xmlns:p159="http://schemas.microsoft.com/office/powerpoint/2015/09/main" Requires="p159">
+  <mc:AlternateContent xmlns:mc="http://schemas.openxmlformats.org/markup-compatibility/2006" xmlns:p159="http://schemas.microsoft.com/office/powerpoint/2015/09/main">
+    <mc:Choice Requires="p159">
       <p:transition spd="slow">
         <p159:morph option="byObject"/>
       </p:transition>
     </mc:Choice>
-    <mc:Fallback>
+    <mc:Fallback xmlns="">
       <p:transition spd="slow">
         <p:fade/>
       </p:transition>
@@ -3898,13 +3898,13 @@
   <p:clrMapOvr>
     <a:masterClrMapping/>
   </p:clrMapOvr>
-  <mc:AlternateContent xmlns:mc="http://schemas.openxmlformats.org/markup-compatibility/2006">
-    <mc:Choice xmlns:p159="http://schemas.microsoft.com/office/powerpoint/2015/09/main" Requires="p159">
+  <mc:AlternateContent xmlns:mc="http://schemas.openxmlformats.org/markup-compatibility/2006" xmlns:p159="http://schemas.microsoft.com/office/powerpoint/2015/09/main">
+    <mc:Choice Requires="p159">
       <p:transition spd="slow">
         <p159:morph option="byObject"/>
       </p:transition>
     </mc:Choice>
-    <mc:Fallback>
+    <mc:Fallback xmlns="">
       <p:transition spd="slow">
         <p:fade/>
       </p:transition>
@@ -4329,13 +4329,13 @@
   <p:clrMapOvr>
     <a:masterClrMapping/>
   </p:clrMapOvr>
-  <mc:AlternateContent xmlns:mc="http://schemas.openxmlformats.org/markup-compatibility/2006">
-    <mc:Choice xmlns:p159="http://schemas.microsoft.com/office/powerpoint/2015/09/main" Requires="p159">
+  <mc:AlternateContent xmlns:mc="http://schemas.openxmlformats.org/markup-compatibility/2006" xmlns:p159="http://schemas.microsoft.com/office/powerpoint/2015/09/main">
+    <mc:Choice Requires="p159">
       <p:transition spd="slow">
         <p159:morph option="byObject"/>
       </p:transition>
     </mc:Choice>
-    <mc:Fallback>
+    <mc:Fallback xmlns="">
       <p:transition spd="slow">
         <p:fade/>
       </p:transition>
@@ -4504,13 +4504,13 @@
   <p:clrMapOvr>
     <a:masterClrMapping/>
   </p:clrMapOvr>
-  <mc:AlternateContent xmlns:mc="http://schemas.openxmlformats.org/markup-compatibility/2006">
-    <mc:Choice xmlns:p159="http://schemas.microsoft.com/office/powerpoint/2015/09/main" Requires="p159">
+  <mc:AlternateContent xmlns:mc="http://schemas.openxmlformats.org/markup-compatibility/2006" xmlns:p159="http://schemas.microsoft.com/office/powerpoint/2015/09/main">
+    <mc:Choice Requires="p159">
       <p:transition spd="slow">
         <p159:morph option="byObject"/>
       </p:transition>
     </mc:Choice>
-    <mc:Fallback>
+    <mc:Fallback xmlns="">
       <p:transition spd="slow">
         <p:fade/>
       </p:transition>
@@ -4679,13 +4679,13 @@
   <p:clrMapOvr>
     <a:masterClrMapping/>
   </p:clrMapOvr>
-  <mc:AlternateContent xmlns:mc="http://schemas.openxmlformats.org/markup-compatibility/2006">
-    <mc:Choice xmlns:p159="http://schemas.microsoft.com/office/powerpoint/2015/09/main" Requires="p159">
+  <mc:AlternateContent xmlns:mc="http://schemas.openxmlformats.org/markup-compatibility/2006" xmlns:p159="http://schemas.microsoft.com/office/powerpoint/2015/09/main">
+    <mc:Choice Requires="p159">
       <p:transition spd="slow">
         <p159:morph option="byObject"/>
       </p:transition>
     </mc:Choice>
-    <mc:Fallback>
+    <mc:Fallback xmlns="">
       <p:transition spd="slow">
         <p:fade/>
       </p:transition>
@@ -4826,13 +4826,13 @@
   <p:clrMapOvr>
     <a:masterClrMapping/>
   </p:clrMapOvr>
-  <mc:AlternateContent xmlns:mc="http://schemas.openxmlformats.org/markup-compatibility/2006">
-    <mc:Choice xmlns:p159="http://schemas.microsoft.com/office/powerpoint/2015/09/main" Requires="p159">
+  <mc:AlternateContent xmlns:mc="http://schemas.openxmlformats.org/markup-compatibility/2006" xmlns:p159="http://schemas.microsoft.com/office/powerpoint/2015/09/main">
+    <mc:Choice Requires="p159">
       <p:transition spd="slow">
         <p159:morph option="byObject"/>
       </p:transition>
     </mc:Choice>
-    <mc:Fallback>
+    <mc:Fallback xmlns="">
       <p:transition spd="slow">
         <p:fade/>
       </p:transition>
@@ -4944,13 +4944,13 @@
   <p:clrMapOvr>
     <a:masterClrMapping/>
   </p:clrMapOvr>
-  <mc:AlternateContent xmlns:mc="http://schemas.openxmlformats.org/markup-compatibility/2006">
-    <mc:Choice xmlns:p159="http://schemas.microsoft.com/office/powerpoint/2015/09/main" Requires="p159">
+  <mc:AlternateContent xmlns:mc="http://schemas.openxmlformats.org/markup-compatibility/2006" xmlns:p159="http://schemas.microsoft.com/office/powerpoint/2015/09/main">
+    <mc:Choice Requires="p159">
       <p:transition spd="slow">
         <p159:morph option="byObject"/>
       </p:transition>
     </mc:Choice>
-    <mc:Fallback>
+    <mc:Fallback xmlns="">
       <p:transition spd="slow">
         <p:fade/>
       </p:transition>
@@ -5024,7 +5024,7 @@
                             </p:stCondLst>
                             <p:childTnLst>
                               <p:par>
-                                <p:cTn id="9" presetID="2" presetClass="entr" presetSubtype="6" fill="hold" nodeType="afterEffect">
+                                <p:cTn id="9" presetID="42" presetClass="entr" presetSubtype="0" fill="hold" nodeType="afterEffect">
                                   <p:stCondLst>
                                     <p:cond delay="0"/>
                                   </p:stCondLst>
@@ -5047,9 +5047,17 @@
                                         <p:strVal val="visible"/>
                                       </p:to>
                                     </p:set>
+                                    <p:animEffect transition="in" filter="fade">
+                                      <p:cBhvr>
+                                        <p:cTn id="11" dur="1000"/>
+                                        <p:tgtEl>
+                                          <p:spTgt spid="1028"/>
+                                        </p:tgtEl>
+                                      </p:cBhvr>
+                                    </p:animEffect>
                                     <p:anim calcmode="lin" valueType="num">
-                                      <p:cBhvr additive="base">
-                                        <p:cTn id="11" dur="1000" fill="hold"/>
+                                      <p:cBhvr>
+                                        <p:cTn id="12" dur="1000" fill="hold"/>
                                         <p:tgtEl>
                                           <p:spTgt spid="1028"/>
                                         </p:tgtEl>
@@ -5060,7 +5068,7 @@
                                       <p:tavLst>
                                         <p:tav tm="0">
                                           <p:val>
-                                            <p:strVal val="1+#ppt_w/2"/>
+                                            <p:strVal val="#ppt_x"/>
                                           </p:val>
                                         </p:tav>
                                         <p:tav tm="100000">
@@ -5071,8 +5079,8 @@
                                       </p:tavLst>
                                     </p:anim>
                                     <p:anim calcmode="lin" valueType="num">
-                                      <p:cBhvr additive="base">
-                                        <p:cTn id="12" dur="1000" fill="hold"/>
+                                      <p:cBhvr>
+                                        <p:cTn id="13" dur="1000" fill="hold"/>
                                         <p:tgtEl>
                                           <p:spTgt spid="1028"/>
                                         </p:tgtEl>
@@ -5083,7 +5091,7 @@
                                       <p:tavLst>
                                         <p:tav tm="0">
                                           <p:val>
-                                            <p:strVal val="1+#ppt_h/2"/>
+                                            <p:strVal val="#ppt_y+.1"/>
                                           </p:val>
                                         </p:tav>
                                         <p:tav tm="100000">
@@ -5093,6 +5101,192 @@
                                         </p:tav>
                                       </p:tavLst>
                                     </p:anim>
+                                  </p:childTnLst>
+                                </p:cTn>
+                              </p:par>
+                            </p:childTnLst>
+                          </p:cTn>
+                        </p:par>
+                        <p:par>
+                          <p:cTn id="14" fill="hold">
+                            <p:stCondLst>
+                              <p:cond delay="1500"/>
+                            </p:stCondLst>
+                            <p:childTnLst>
+                              <p:par>
+                                <p:cTn id="15" presetID="32" presetClass="emph" presetSubtype="0" fill="hold" nodeType="afterEffect">
+                                  <p:stCondLst>
+                                    <p:cond delay="0"/>
+                                  </p:stCondLst>
+                                  <p:childTnLst>
+                                    <p:animRot by="120000">
+                                      <p:cBhvr>
+                                        <p:cTn id="16" dur="75" fill="hold">
+                                          <p:stCondLst>
+                                            <p:cond delay="0"/>
+                                          </p:stCondLst>
+                                        </p:cTn>
+                                        <p:tgtEl>
+                                          <p:spTgt spid="1028"/>
+                                        </p:tgtEl>
+                                        <p:attrNameLst>
+                                          <p:attrName>r</p:attrName>
+                                        </p:attrNameLst>
+                                      </p:cBhvr>
+                                    </p:animRot>
+                                    <p:animRot by="-240000">
+                                      <p:cBhvr>
+                                        <p:cTn id="17" dur="150" fill="hold">
+                                          <p:stCondLst>
+                                            <p:cond delay="150"/>
+                                          </p:stCondLst>
+                                        </p:cTn>
+                                        <p:tgtEl>
+                                          <p:spTgt spid="1028"/>
+                                        </p:tgtEl>
+                                        <p:attrNameLst>
+                                          <p:attrName>r</p:attrName>
+                                        </p:attrNameLst>
+                                      </p:cBhvr>
+                                    </p:animRot>
+                                    <p:animRot by="240000">
+                                      <p:cBhvr>
+                                        <p:cTn id="18" dur="150" fill="hold">
+                                          <p:stCondLst>
+                                            <p:cond delay="300"/>
+                                          </p:stCondLst>
+                                        </p:cTn>
+                                        <p:tgtEl>
+                                          <p:spTgt spid="1028"/>
+                                        </p:tgtEl>
+                                        <p:attrNameLst>
+                                          <p:attrName>r</p:attrName>
+                                        </p:attrNameLst>
+                                      </p:cBhvr>
+                                    </p:animRot>
+                                    <p:animRot by="-240000">
+                                      <p:cBhvr>
+                                        <p:cTn id="19" dur="150" fill="hold">
+                                          <p:stCondLst>
+                                            <p:cond delay="450"/>
+                                          </p:stCondLst>
+                                        </p:cTn>
+                                        <p:tgtEl>
+                                          <p:spTgt spid="1028"/>
+                                        </p:tgtEl>
+                                        <p:attrNameLst>
+                                          <p:attrName>r</p:attrName>
+                                        </p:attrNameLst>
+                                      </p:cBhvr>
+                                    </p:animRot>
+                                    <p:animRot by="120000">
+                                      <p:cBhvr>
+                                        <p:cTn id="20" dur="150" fill="hold">
+                                          <p:stCondLst>
+                                            <p:cond delay="600"/>
+                                          </p:stCondLst>
+                                        </p:cTn>
+                                        <p:tgtEl>
+                                          <p:spTgt spid="1028"/>
+                                        </p:tgtEl>
+                                        <p:attrNameLst>
+                                          <p:attrName>r</p:attrName>
+                                        </p:attrNameLst>
+                                      </p:cBhvr>
+                                    </p:animRot>
+                                  </p:childTnLst>
+                                </p:cTn>
+                              </p:par>
+                            </p:childTnLst>
+                          </p:cTn>
+                        </p:par>
+                        <p:par>
+                          <p:cTn id="21" fill="hold">
+                            <p:stCondLst>
+                              <p:cond delay="2250"/>
+                            </p:stCondLst>
+                            <p:childTnLst>
+                              <p:par>
+                                <p:cTn id="22" presetID="32" presetClass="emph" presetSubtype="0" fill="hold" nodeType="afterEffect">
+                                  <p:stCondLst>
+                                    <p:cond delay="0"/>
+                                  </p:stCondLst>
+                                  <p:childTnLst>
+                                    <p:animRot by="120000">
+                                      <p:cBhvr>
+                                        <p:cTn id="23" dur="75" fill="hold">
+                                          <p:stCondLst>
+                                            <p:cond delay="0"/>
+                                          </p:stCondLst>
+                                        </p:cTn>
+                                        <p:tgtEl>
+                                          <p:spTgt spid="1028"/>
+                                        </p:tgtEl>
+                                        <p:attrNameLst>
+                                          <p:attrName>r</p:attrName>
+                                        </p:attrNameLst>
+                                      </p:cBhvr>
+                                    </p:animRot>
+                                    <p:animRot by="-240000">
+                                      <p:cBhvr>
+                                        <p:cTn id="24" dur="150" fill="hold">
+                                          <p:stCondLst>
+                                            <p:cond delay="150"/>
+                                          </p:stCondLst>
+                                        </p:cTn>
+                                        <p:tgtEl>
+                                          <p:spTgt spid="1028"/>
+                                        </p:tgtEl>
+                                        <p:attrNameLst>
+                                          <p:attrName>r</p:attrName>
+                                        </p:attrNameLst>
+                                      </p:cBhvr>
+                                    </p:animRot>
+                                    <p:animRot by="240000">
+                                      <p:cBhvr>
+                                        <p:cTn id="25" dur="150" fill="hold">
+                                          <p:stCondLst>
+                                            <p:cond delay="300"/>
+                                          </p:stCondLst>
+                                        </p:cTn>
+                                        <p:tgtEl>
+                                          <p:spTgt spid="1028"/>
+                                        </p:tgtEl>
+                                        <p:attrNameLst>
+                                          <p:attrName>r</p:attrName>
+                                        </p:attrNameLst>
+                                      </p:cBhvr>
+                                    </p:animRot>
+                                    <p:animRot by="-240000">
+                                      <p:cBhvr>
+                                        <p:cTn id="26" dur="150" fill="hold">
+                                          <p:stCondLst>
+                                            <p:cond delay="450"/>
+                                          </p:stCondLst>
+                                        </p:cTn>
+                                        <p:tgtEl>
+                                          <p:spTgt spid="1028"/>
+                                        </p:tgtEl>
+                                        <p:attrNameLst>
+                                          <p:attrName>r</p:attrName>
+                                        </p:attrNameLst>
+                                      </p:cBhvr>
+                                    </p:animRot>
+                                    <p:animRot by="120000">
+                                      <p:cBhvr>
+                                        <p:cTn id="27" dur="150" fill="hold">
+                                          <p:stCondLst>
+                                            <p:cond delay="600"/>
+                                          </p:stCondLst>
+                                        </p:cTn>
+                                        <p:tgtEl>
+                                          <p:spTgt spid="1028"/>
+                                        </p:tgtEl>
+                                        <p:attrNameLst>
+                                          <p:attrName>r</p:attrName>
+                                        </p:attrNameLst>
+                                      </p:cBhvr>
+                                    </p:animRot>
                                   </p:childTnLst>
                                 </p:cTn>
                               </p:par>
@@ -5363,13 +5557,13 @@
   <p:clrMapOvr>
     <a:masterClrMapping/>
   </p:clrMapOvr>
-  <mc:AlternateContent xmlns:mc="http://schemas.openxmlformats.org/markup-compatibility/2006">
-    <mc:Choice xmlns:p159="http://schemas.microsoft.com/office/powerpoint/2015/09/main" Requires="p159">
+  <mc:AlternateContent xmlns:mc="http://schemas.openxmlformats.org/markup-compatibility/2006" xmlns:p159="http://schemas.microsoft.com/office/powerpoint/2015/09/main">
+    <mc:Choice Requires="p159">
       <p:transition spd="slow">
         <p159:morph option="byObject"/>
       </p:transition>
     </mc:Choice>
-    <mc:Fallback>
+    <mc:Fallback xmlns="">
       <p:transition spd="slow">
         <p:fade/>
       </p:transition>
@@ -5702,13 +5896,13 @@
   <p:clrMapOvr>
     <a:masterClrMapping/>
   </p:clrMapOvr>
-  <mc:AlternateContent xmlns:mc="http://schemas.openxmlformats.org/markup-compatibility/2006">
-    <mc:Choice xmlns:p159="http://schemas.microsoft.com/office/powerpoint/2015/09/main" Requires="p159">
+  <mc:AlternateContent xmlns:mc="http://schemas.openxmlformats.org/markup-compatibility/2006" xmlns:p159="http://schemas.microsoft.com/office/powerpoint/2015/09/main">
+    <mc:Choice Requires="p159">
       <p:transition spd="slow">
         <p159:morph option="byObject"/>
       </p:transition>
     </mc:Choice>
-    <mc:Fallback>
+    <mc:Fallback xmlns="">
       <p:transition spd="slow">
         <p:fade/>
       </p:transition>
@@ -6296,13 +6490,13 @@
   <p:clrMapOvr>
     <a:masterClrMapping/>
   </p:clrMapOvr>
-  <mc:AlternateContent xmlns:mc="http://schemas.openxmlformats.org/markup-compatibility/2006">
-    <mc:Choice xmlns:p159="http://schemas.microsoft.com/office/powerpoint/2015/09/main" Requires="p159">
+  <mc:AlternateContent xmlns:mc="http://schemas.openxmlformats.org/markup-compatibility/2006" xmlns:p159="http://schemas.microsoft.com/office/powerpoint/2015/09/main">
+    <mc:Choice Requires="p159">
       <p:transition spd="slow">
         <p159:morph option="byObject"/>
       </p:transition>
     </mc:Choice>
-    <mc:Fallback>
+    <mc:Fallback xmlns="">
       <p:transition spd="slow">
         <p:fade/>
       </p:transition>
@@ -6763,6 +6957,36 @@
           </a:prstGeom>
         </p:spPr>
       </p:pic>
+      <p:pic>
+        <p:nvPicPr>
+          <p:cNvPr id="5" name="Grafik 3">
+            <a:extLst>
+              <a:ext uri="{FF2B5EF4-FFF2-40B4-BE49-F238E27FC236}">
+                <a16:creationId xmlns:a16="http://schemas.microsoft.com/office/drawing/2014/main" id="{A3353A62-B47C-4287-80C3-97BA419EAF73}"/>
+              </a:ext>
+            </a:extLst>
+          </p:cNvPr>
+          <p:cNvPicPr>
+            <a:picLocks noChangeAspect="1"/>
+          </p:cNvPicPr>
+          <p:nvPr/>
+        </p:nvPicPr>
+        <p:blipFill>
+          <a:blip r:embed="rId3"/>
+          <a:stretch>
+            <a:fillRect/>
+          </a:stretch>
+        </p:blipFill>
+        <p:spPr>
+          <a:xfrm>
+            <a:off x="6745544" y="3544974"/>
+            <a:ext cx="4945713" cy="2766926"/>
+          </a:xfrm>
+          <a:prstGeom prst="rect">
+            <a:avLst/>
+          </a:prstGeom>
+        </p:spPr>
+      </p:pic>
     </p:spTree>
     <p:extLst>
       <p:ext uri="{BB962C8B-B14F-4D97-AF65-F5344CB8AC3E}">
@@ -6773,13 +6997,13 @@
   <p:clrMapOvr>
     <a:masterClrMapping/>
   </p:clrMapOvr>
-  <mc:AlternateContent xmlns:mc="http://schemas.openxmlformats.org/markup-compatibility/2006">
-    <mc:Choice xmlns:p159="http://schemas.microsoft.com/office/powerpoint/2015/09/main" Requires="p159">
+  <mc:AlternateContent xmlns:mc="http://schemas.openxmlformats.org/markup-compatibility/2006" xmlns:p159="http://schemas.microsoft.com/office/powerpoint/2015/09/main">
+    <mc:Choice Requires="p159">
       <p:transition spd="slow">
         <p159:morph option="byObject"/>
       </p:transition>
     </mc:Choice>
-    <mc:Fallback>
+    <mc:Fallback xmlns="">
       <p:transition spd="slow">
         <p:fade/>
       </p:transition>
@@ -7027,95 +7251,18 @@
   <p:clrMapOvr>
     <a:masterClrMapping/>
   </p:clrMapOvr>
-  <mc:AlternateContent xmlns:mc="http://schemas.openxmlformats.org/markup-compatibility/2006">
-    <mc:Choice xmlns:p159="http://schemas.microsoft.com/office/powerpoint/2015/09/main" Requires="p159">
+  <mc:AlternateContent xmlns:mc="http://schemas.openxmlformats.org/markup-compatibility/2006" xmlns:p159="http://schemas.microsoft.com/office/powerpoint/2015/09/main">
+    <mc:Choice Requires="p159">
       <p:transition spd="slow">
         <p159:morph option="byObject"/>
       </p:transition>
     </mc:Choice>
-    <mc:Fallback>
+    <mc:Fallback xmlns="">
       <p:transition spd="slow">
         <p:fade/>
       </p:transition>
     </mc:Fallback>
   </mc:AlternateContent>
-  <p:timing>
-    <p:tnLst>
-      <p:par>
-        <p:cTn id="1" dur="indefinite" restart="never" nodeType="tmRoot">
-          <p:childTnLst>
-            <p:seq concurrent="1" nextAc="seek">
-              <p:cTn id="2" dur="indefinite" nodeType="mainSeq">
-                <p:childTnLst>
-                  <p:par>
-                    <p:cTn id="3" fill="hold">
-                      <p:stCondLst>
-                        <p:cond delay="indefinite"/>
-                        <p:cond evt="onBegin" delay="0">
-                          <p:tn val="2"/>
-                        </p:cond>
-                      </p:stCondLst>
-                      <p:childTnLst>
-                        <p:par>
-                          <p:cTn id="4" fill="hold">
-                            <p:stCondLst>
-                              <p:cond delay="0"/>
-                            </p:stCondLst>
-                            <p:childTnLst>
-                              <p:par>
-                                <p:cTn id="5" presetID="26" presetClass="emph" presetSubtype="0" fill="hold" nodeType="withEffect">
-                                  <p:stCondLst>
-                                    <p:cond delay="0"/>
-                                  </p:stCondLst>
-                                  <p:childTnLst>
-                                    <p:animEffect transition="out" filter="fade">
-                                      <p:cBhvr>
-                                        <p:cTn id="6" dur="250" tmFilter="0, 0; .2, .5; .8, .5; 1, 0"/>
-                                        <p:tgtEl>
-                                          <p:spTgt spid="4"/>
-                                        </p:tgtEl>
-                                      </p:cBhvr>
-                                    </p:animEffect>
-                                    <p:animScale>
-                                      <p:cBhvr>
-                                        <p:cTn id="7" dur="125" autoRev="1" fill="hold"/>
-                                        <p:tgtEl>
-                                          <p:spTgt spid="4"/>
-                                        </p:tgtEl>
-                                      </p:cBhvr>
-                                      <p:by x="105000" y="105000"/>
-                                    </p:animScale>
-                                  </p:childTnLst>
-                                </p:cTn>
-                              </p:par>
-                            </p:childTnLst>
-                          </p:cTn>
-                        </p:par>
-                      </p:childTnLst>
-                    </p:cTn>
-                  </p:par>
-                </p:childTnLst>
-              </p:cTn>
-              <p:prevCondLst>
-                <p:cond evt="onPrev" delay="0">
-                  <p:tgtEl>
-                    <p:sldTgt/>
-                  </p:tgtEl>
-                </p:cond>
-              </p:prevCondLst>
-              <p:nextCondLst>
-                <p:cond evt="onNext" delay="0">
-                  <p:tgtEl>
-                    <p:sldTgt/>
-                  </p:tgtEl>
-                </p:cond>
-              </p:nextCondLst>
-            </p:seq>
-          </p:childTnLst>
-        </p:cTn>
-      </p:par>
-    </p:tnLst>
-  </p:timing>
 </p:sld>
 </file>
 
@@ -7348,13 +7495,13 @@
   <p:clrMapOvr>
     <a:masterClrMapping/>
   </p:clrMapOvr>
-  <mc:AlternateContent xmlns:mc="http://schemas.openxmlformats.org/markup-compatibility/2006">
-    <mc:Choice xmlns:p159="http://schemas.microsoft.com/office/powerpoint/2015/09/main" Requires="p159">
+  <mc:AlternateContent xmlns:mc="http://schemas.openxmlformats.org/markup-compatibility/2006" xmlns:p159="http://schemas.microsoft.com/office/powerpoint/2015/09/main">
+    <mc:Choice Requires="p159">
       <p:transition spd="slow">
         <p159:morph option="byObject"/>
       </p:transition>
     </mc:Choice>
-    <mc:Fallback>
+    <mc:Fallback xmlns="">
       <p:transition spd="slow">
         <p:fade/>
       </p:transition>
@@ -7650,13 +7797,13 @@
   <p:clrMapOvr>
     <a:masterClrMapping/>
   </p:clrMapOvr>
-  <mc:AlternateContent xmlns:mc="http://schemas.openxmlformats.org/markup-compatibility/2006">
-    <mc:Choice xmlns:p159="http://schemas.microsoft.com/office/powerpoint/2015/09/main" Requires="p159">
+  <mc:AlternateContent xmlns:mc="http://schemas.openxmlformats.org/markup-compatibility/2006" xmlns:p159="http://schemas.microsoft.com/office/powerpoint/2015/09/main">
+    <mc:Choice Requires="p159">
       <p:transition spd="slow">
         <p159:morph option="byObject"/>
       </p:transition>
     </mc:Choice>
-    <mc:Fallback>
+    <mc:Fallback xmlns="">
       <p:transition spd="slow">
         <p:fade/>
       </p:transition>
@@ -7941,13 +8088,13 @@
   <p:clrMapOvr>
     <a:masterClrMapping/>
   </p:clrMapOvr>
-  <mc:AlternateContent xmlns:mc="http://schemas.openxmlformats.org/markup-compatibility/2006">
-    <mc:Choice xmlns:p159="http://schemas.microsoft.com/office/powerpoint/2015/09/main" Requires="p159">
+  <mc:AlternateContent xmlns:mc="http://schemas.openxmlformats.org/markup-compatibility/2006" xmlns:p159="http://schemas.microsoft.com/office/powerpoint/2015/09/main">
+    <mc:Choice Requires="p159">
       <p:transition spd="slow">
         <p159:morph option="byObject"/>
       </p:transition>
     </mc:Choice>
-    <mc:Fallback>
+    <mc:Fallback xmlns="">
       <p:transition spd="slow">
         <p:fade/>
       </p:transition>
